--- a/Slides/5 - Single Page Applications.pptx
+++ b/Slides/5 - Single Page Applications.pptx
@@ -10,10 +10,10 @@
   <p:sldIdLst>
     <p:sldId id="451" r:id="rId2"/>
     <p:sldId id="455" r:id="rId3"/>
-    <p:sldId id="464" r:id="rId4"/>
-    <p:sldId id="468" r:id="rId5"/>
+    <p:sldId id="471" r:id="rId4"/>
+    <p:sldId id="470" r:id="rId5"/>
     <p:sldId id="469" r:id="rId6"/>
-    <p:sldId id="470" r:id="rId7"/>
+    <p:sldId id="472" r:id="rId7"/>
     <p:sldId id="450" r:id="rId8"/>
   </p:sldIdLst>
   <p:sldSz cx="12192000" cy="6858000"/>
@@ -120,10 +120,10 @@
           <p14:sldIdLst>
             <p14:sldId id="451"/>
             <p14:sldId id="455"/>
-            <p14:sldId id="464"/>
-            <p14:sldId id="468"/>
+            <p14:sldId id="471"/>
+            <p14:sldId id="470"/>
             <p14:sldId id="469"/>
-            <p14:sldId id="470"/>
+            <p14:sldId id="472"/>
             <p14:sldId id="450"/>
           </p14:sldIdLst>
         </p14:section>
@@ -224,7 +224,7 @@
           <a:p>
             <a:fld id="{A9DDBD42-E139-45FA-9C16-1611187CAC3F}" type="datetimeFigureOut">
               <a:rPr lang="en-US" smtClean="0"/>
-              <a:t>9/5/2015</a:t>
+              <a:t>9/8/2015</a:t>
             </a:fld>
             <a:endParaRPr lang="en-US"/>
           </a:p>
@@ -733,90 +733,6 @@
             <a:fld id="{906AB01E-7BD7-442B-8A6B-D31FAFDAE830}" type="slidenum">
               <a:rPr lang="en-US" smtClean="0"/>
               <a:t>4</a:t>
-            </a:fld>
-            <a:endParaRPr lang="en-US"/>
-          </a:p>
-        </p:txBody>
-      </p:sp>
-    </p:spTree>
-    <p:extLst>
-      <p:ext uri="{BB962C8B-B14F-4D97-AF65-F5344CB8AC3E}">
-        <p14:creationId xmlns:p14="http://schemas.microsoft.com/office/powerpoint/2010/main" val="3414845990"/>
-      </p:ext>
-    </p:extLst>
-  </p:cSld>
-  <p:clrMapOvr>
-    <a:masterClrMapping/>
-  </p:clrMapOvr>
-</p:notes>
-</file>
-
-<file path=ppt/notesSlides/notesSlide4.xml><?xml version="1.0" encoding="utf-8"?>
-<p:notes xmlns:a="http://schemas.openxmlformats.org/drawingml/2006/main" xmlns:r="http://schemas.openxmlformats.org/officeDocument/2006/relationships" xmlns:p="http://schemas.openxmlformats.org/presentationml/2006/main">
-  <p:cSld>
-    <p:spTree>
-      <p:nvGrpSpPr>
-        <p:cNvPr id="1" name=""/>
-        <p:cNvGrpSpPr/>
-        <p:nvPr/>
-      </p:nvGrpSpPr>
-      <p:grpSpPr>
-        <a:xfrm>
-          <a:off x="0" y="0"/>
-          <a:ext cx="0" cy="0"/>
-          <a:chOff x="0" y="0"/>
-          <a:chExt cx="0" cy="0"/>
-        </a:xfrm>
-      </p:grpSpPr>
-      <p:sp>
-        <p:nvSpPr>
-          <p:cNvPr id="2" name="Slide Image Placeholder 1"/>
-          <p:cNvSpPr>
-            <a:spLocks noGrp="1" noRot="1" noChangeAspect="1"/>
-          </p:cNvSpPr>
-          <p:nvPr>
-            <p:ph type="sldImg"/>
-          </p:nvPr>
-        </p:nvSpPr>
-        <p:spPr/>
-      </p:sp>
-      <p:sp>
-        <p:nvSpPr>
-          <p:cNvPr id="3" name="Notes Placeholder 2"/>
-          <p:cNvSpPr>
-            <a:spLocks noGrp="1"/>
-          </p:cNvSpPr>
-          <p:nvPr>
-            <p:ph type="body" idx="1"/>
-          </p:nvPr>
-        </p:nvSpPr>
-        <p:spPr/>
-        <p:txBody>
-          <a:bodyPr/>
-          <a:lstStyle/>
-          <a:p>
-            <a:endParaRPr lang="en-US" dirty="0"/>
-          </a:p>
-        </p:txBody>
-      </p:sp>
-      <p:sp>
-        <p:nvSpPr>
-          <p:cNvPr id="4" name="Slide Number Placeholder 3"/>
-          <p:cNvSpPr>
-            <a:spLocks noGrp="1"/>
-          </p:cNvSpPr>
-          <p:nvPr>
-            <p:ph type="sldNum" sz="quarter" idx="10"/>
-          </p:nvPr>
-        </p:nvSpPr>
-        <p:spPr/>
-        <p:txBody>
-          <a:bodyPr/>
-          <a:lstStyle/>
-          <a:p>
-            <a:fld id="{906AB01E-7BD7-442B-8A6B-D31FAFDAE830}" type="slidenum">
-              <a:rPr lang="en-US" smtClean="0"/>
-              <a:t>6</a:t>
             </a:fld>
             <a:endParaRPr lang="en-US"/>
           </a:p>
@@ -3485,7 +3401,7 @@
           <a:p>
             <a:r>
               <a:rPr lang="en-US" sz="4000" dirty="0" smtClean="0"/>
-              <a:t>Knockout: Brining It All Together</a:t>
+              <a:t>Single Page Applications</a:t>
             </a:r>
             <a:endParaRPr lang="en-US" sz="4000" dirty="0"/>
           </a:p>
@@ -3564,7 +3480,7 @@
             <p:ph sz="quarter" idx="10"/>
             <p:extLst>
               <p:ext uri="{D42A27DB-BD31-4B8C-83A1-F6EECF244321}">
-                <p14:modId xmlns:p14="http://schemas.microsoft.com/office/powerpoint/2010/main" val="1190803272"/>
+                <p14:modId xmlns:p14="http://schemas.microsoft.com/office/powerpoint/2010/main" val="2572496919"/>
               </p:ext>
             </p:extLst>
           </p:nvPr>
@@ -3724,7 +3640,21 @@
                           <a:latin typeface="Segoe UI Light" panose="020B0502040204020203" pitchFamily="34" charset="0"/>
                           <a:cs typeface="Segoe UI Light" panose="020B0502040204020203" pitchFamily="34" charset="0"/>
                         </a:rPr>
-                        <a:t>05 | Bringing It All Together</a:t>
+                        <a:t>05 | </a:t>
+                      </a:r>
+                      <a:r>
+                        <a:rPr lang="en-US" sz="2400" dirty="0" smtClean="0">
+                          <a:latin typeface="Segoe UI Light" panose="020B0502040204020203" pitchFamily="34" charset="0"/>
+                          <a:cs typeface="Segoe UI Light" panose="020B0502040204020203" pitchFamily="34" charset="0"/>
+                        </a:rPr>
+                        <a:t>Single Page</a:t>
+                      </a:r>
+                      <a:r>
+                        <a:rPr lang="en-US" sz="2400" baseline="0" dirty="0" smtClean="0">
+                          <a:latin typeface="Segoe UI Light" panose="020B0502040204020203" pitchFamily="34" charset="0"/>
+                          <a:cs typeface="Segoe UI Light" panose="020B0502040204020203" pitchFamily="34" charset="0"/>
+                        </a:rPr>
+                        <a:t> Applications</a:t>
                       </a:r>
                       <a:endParaRPr lang="en-US" sz="2400" dirty="0">
                         <a:latin typeface="Segoe UI Light" panose="020B0502040204020203" pitchFamily="34" charset="0"/>
@@ -3775,7 +3705,14 @@
                           <a:latin typeface="Segoe UI Light" panose="020B0502040204020203" pitchFamily="34" charset="0"/>
                           <a:cs typeface="Segoe UI Light" panose="020B0502040204020203" pitchFamily="34" charset="0"/>
                         </a:rPr>
-                        <a:t> | Loops, Logic and Templates</a:t>
+                        <a:t> | </a:t>
+                      </a:r>
+                      <a:r>
+                        <a:rPr lang="en-US" sz="2400" baseline="0" dirty="0" smtClean="0">
+                          <a:latin typeface="Segoe UI Light" panose="020B0502040204020203" pitchFamily="34" charset="0"/>
+                          <a:cs typeface="Segoe UI Light" panose="020B0502040204020203" pitchFamily="34" charset="0"/>
+                        </a:rPr>
+                        <a:t>Components</a:t>
                       </a:r>
                       <a:endParaRPr lang="en-US" sz="2400" dirty="0" smtClean="0">
                         <a:latin typeface="Segoe UI Light" panose="020B0502040204020203" pitchFamily="34" charset="0"/>
@@ -3855,12 +3792,12 @@
       </p:grpSpPr>
       <p:sp>
         <p:nvSpPr>
-          <p:cNvPr id="2" name="Text Placeholder 1"/>
+          <p:cNvPr id="2" name="Title 1"/>
           <p:cNvSpPr>
             <a:spLocks noGrp="1"/>
           </p:cNvSpPr>
           <p:nvPr>
-            <p:ph type="body" sz="quarter" idx="10"/>
+            <p:ph type="title"/>
           </p:nvPr>
         </p:nvSpPr>
         <p:spPr/>
@@ -3870,7 +3807,7 @@
           <a:p>
             <a:r>
               <a:rPr lang="en-US" dirty="0" smtClean="0"/>
-              <a:t>Knockout and Forms</a:t>
+              <a:t>Single Page Applications</a:t>
             </a:r>
             <a:endParaRPr lang="en-US" dirty="0"/>
           </a:p>
@@ -3878,12 +3815,12 @@
       </p:sp>
       <p:sp>
         <p:nvSpPr>
-          <p:cNvPr id="3" name="Subtitle 2"/>
+          <p:cNvPr id="3" name="Content Placeholder 2"/>
           <p:cNvSpPr>
             <a:spLocks noGrp="1"/>
           </p:cNvSpPr>
           <p:nvPr>
-            <p:ph type="subTitle" idx="1"/>
+            <p:ph sz="quarter" idx="10"/>
           </p:nvPr>
         </p:nvSpPr>
         <p:spPr/>
@@ -3891,27 +3828,54 @@
           <a:bodyPr/>
           <a:lstStyle/>
           <a:p>
-            <a:endParaRPr lang="en-US"/>
+            <a:r>
+              <a:rPr lang="en-US" dirty="0" smtClean="0"/>
+              <a:t>Site architecture</a:t>
+            </a:r>
+          </a:p>
+          <a:p>
+            <a:r>
+              <a:rPr lang="en-US" dirty="0" smtClean="0"/>
+              <a:t>Using the Yeoman scaffolder</a:t>
+            </a:r>
+          </a:p>
+          <a:p>
+            <a:r>
+              <a:rPr lang="en-US" dirty="0"/>
+              <a:t>Page navigation</a:t>
+            </a:r>
+          </a:p>
+          <a:p>
+            <a:r>
+              <a:rPr lang="en-US" dirty="0" smtClean="0"/>
+              <a:t>Require.js</a:t>
+            </a:r>
+          </a:p>
+          <a:p>
+            <a:r>
+              <a:rPr lang="en-US" dirty="0" smtClean="0"/>
+              <a:t>Preloading and Incremental Loading</a:t>
+            </a:r>
+          </a:p>
+          <a:p>
+            <a:r>
+              <a:rPr lang="en-US" dirty="0" smtClean="0"/>
+              <a:t>Testing</a:t>
+            </a:r>
+            <a:endParaRPr lang="en-US" dirty="0"/>
           </a:p>
         </p:txBody>
       </p:sp>
     </p:spTree>
     <p:extLst>
       <p:ext uri="{BB962C8B-B14F-4D97-AF65-F5344CB8AC3E}">
-        <p14:creationId xmlns:p14="http://schemas.microsoft.com/office/powerpoint/2010/main" val="2875753425"/>
+        <p14:creationId xmlns:p14="http://schemas.microsoft.com/office/powerpoint/2010/main" val="2340897090"/>
       </p:ext>
     </p:extLst>
   </p:cSld>
   <p:clrMapOvr>
     <a:masterClrMapping/>
   </p:clrMapOvr>
-  <p:timing>
-    <p:tnLst>
-      <p:par>
-        <p:cTn id="1" dur="indefinite" restart="never" nodeType="tmRoot"/>
-      </p:par>
-    </p:tnLst>
-  </p:timing>
 </p:sld>
 </file>
 
@@ -3949,7 +3913,11 @@
           <a:p>
             <a:r>
               <a:rPr lang="en-CA" dirty="0" smtClean="0"/>
-              <a:t>Forms</a:t>
+              <a:t>Single </a:t>
+            </a:r>
+            <a:r>
+              <a:rPr lang="en-CA" smtClean="0"/>
+              <a:t>Page Application</a:t>
             </a:r>
             <a:endParaRPr lang="en-US" dirty="0"/>
           </a:p>
@@ -3958,7 +3926,7 @@
     </p:spTree>
     <p:extLst>
       <p:ext uri="{BB962C8B-B14F-4D97-AF65-F5344CB8AC3E}">
-        <p14:creationId xmlns:p14="http://schemas.microsoft.com/office/powerpoint/2010/main" val="461796257"/>
+        <p14:creationId xmlns:p14="http://schemas.microsoft.com/office/powerpoint/2010/main" val="2459086077"/>
       </p:ext>
     </p:extLst>
   </p:cSld>
@@ -4009,7 +3977,7 @@
           <a:p>
             <a:r>
               <a:rPr lang="en-US" dirty="0" smtClean="0"/>
-              <a:t>Single Page Applications with Knockout</a:t>
+              <a:t>Additional Resources</a:t>
             </a:r>
             <a:endParaRPr lang="en-US" dirty="0"/>
           </a:p>
@@ -4073,7 +4041,7 @@
       </p:grpSpPr>
       <p:sp>
         <p:nvSpPr>
-          <p:cNvPr id="5" name="Title 4"/>
+          <p:cNvPr id="2" name="Title 1"/>
           <p:cNvSpPr>
             <a:spLocks noGrp="1"/>
           </p:cNvSpPr>
@@ -4087,12 +4055,106 @@
           <a:lstStyle/>
           <a:p>
             <a:r>
-              <a:rPr lang="en-CA" dirty="0" smtClean="0"/>
-              <a:t>Single </a:t>
-            </a:r>
-            <a:r>
-              <a:rPr lang="en-CA" smtClean="0"/>
-              <a:t>Page Application</a:t>
+              <a:rPr lang="en-US" dirty="0" smtClean="0"/>
+              <a:t>Additional Resources</a:t>
+            </a:r>
+            <a:endParaRPr lang="en-US" dirty="0"/>
+          </a:p>
+        </p:txBody>
+      </p:sp>
+      <p:sp>
+        <p:nvSpPr>
+          <p:cNvPr id="3" name="Content Placeholder 2"/>
+          <p:cNvSpPr>
+            <a:spLocks noGrp="1"/>
+          </p:cNvSpPr>
+          <p:nvPr>
+            <p:ph sz="quarter" idx="10"/>
+          </p:nvPr>
+        </p:nvSpPr>
+        <p:spPr/>
+        <p:txBody>
+          <a:bodyPr/>
+          <a:lstStyle/>
+          <a:p>
+            <a:r>
+              <a:rPr lang="en-US" dirty="0" smtClean="0"/>
+              <a:t>KnockoutJS.com</a:t>
+            </a:r>
+          </a:p>
+          <a:p>
+            <a:pPr lvl="1"/>
+            <a:r>
+              <a:rPr lang="en-US" dirty="0" smtClean="0"/>
+              <a:t>Documentation</a:t>
+            </a:r>
+          </a:p>
+          <a:p>
+            <a:pPr lvl="1"/>
+            <a:r>
+              <a:rPr lang="en-US" dirty="0" smtClean="0"/>
+              <a:t>Live Samples</a:t>
+            </a:r>
+          </a:p>
+          <a:p>
+            <a:pPr lvl="1"/>
+            <a:r>
+              <a:rPr lang="en-US" dirty="0" smtClean="0"/>
+              <a:t>Live Tutorials</a:t>
+            </a:r>
+          </a:p>
+          <a:p>
+            <a:r>
+              <a:rPr lang="en-US" dirty="0" smtClean="0"/>
+              <a:t>KnockMeOut.net</a:t>
+            </a:r>
+          </a:p>
+          <a:p>
+            <a:r>
+              <a:rPr lang="en-US" dirty="0" err="1" smtClean="0"/>
+              <a:t>StackOverflow</a:t>
+            </a:r>
+            <a:r>
+              <a:rPr lang="en-US" dirty="0"/>
+              <a:t>: </a:t>
+            </a:r>
+            <a:r>
+              <a:rPr lang="en-US" dirty="0">
+                <a:hlinkClick r:id="rId2"/>
+              </a:rPr>
+              <a:t>http://</a:t>
+            </a:r>
+            <a:r>
+              <a:rPr lang="en-US" dirty="0" smtClean="0">
+                <a:hlinkClick r:id="rId2"/>
+              </a:rPr>
+              <a:t>stackoverflow.com/questions/tagged/knockout.js</a:t>
+            </a:r>
+            <a:endParaRPr lang="en-US" dirty="0" smtClean="0"/>
+          </a:p>
+          <a:p>
+            <a:endParaRPr lang="en-US" dirty="0"/>
+          </a:p>
+          <a:p>
+            <a:r>
+              <a:rPr lang="en-US" dirty="0"/>
+              <a:t>Forum: </a:t>
+            </a:r>
+            <a:r>
+              <a:rPr lang="en-US" dirty="0">
+                <a:hlinkClick r:id="rId3"/>
+              </a:rPr>
+              <a:t>https://groups.google.com/forum/#!</a:t>
+            </a:r>
+            <a:r>
+              <a:rPr lang="en-US" dirty="0" smtClean="0">
+                <a:hlinkClick r:id="rId3"/>
+              </a:rPr>
+              <a:t>forum/knockoutjs</a:t>
+            </a:r>
+            <a:r>
+              <a:rPr lang="en-US" dirty="0" smtClean="0"/>
+              <a:t> </a:t>
             </a:r>
             <a:endParaRPr lang="en-US" dirty="0"/>
           </a:p>
@@ -4101,20 +4163,13 @@
     </p:spTree>
     <p:extLst>
       <p:ext uri="{BB962C8B-B14F-4D97-AF65-F5344CB8AC3E}">
-        <p14:creationId xmlns:p14="http://schemas.microsoft.com/office/powerpoint/2010/main" val="2459086077"/>
+        <p14:creationId xmlns:p14="http://schemas.microsoft.com/office/powerpoint/2010/main" val="3719390938"/>
       </p:ext>
     </p:extLst>
   </p:cSld>
   <p:clrMapOvr>
     <a:masterClrMapping/>
   </p:clrMapOvr>
-  <p:timing>
-    <p:tnLst>
-      <p:par>
-        <p:cTn id="1" dur="indefinite" restart="never" nodeType="tmRoot"/>
-      </p:par>
-    </p:tnLst>
-  </p:timing>
 </p:sld>
 </file>
 
